--- a/発表資料/【成果発表】220_加藤稔朗.pptx
+++ b/発表資料/【成果発表】220_加藤稔朗.pptx
@@ -209,7 +209,7 @@
           <a:p>
             <a:fld id="{6A2E76F3-DE40-4940-932F-35A21AFF264F}" type="datetimeFigureOut">
               <a:rPr kumimoji="1" lang="ja-JP" altLang="en-US" smtClean="0"/>
-              <a:t>2019/6/7</a:t>
+              <a:t>2019/6/9</a:t>
             </a:fld>
             <a:endParaRPr kumimoji="1" lang="ja-JP" altLang="en-US"/>
           </a:p>
@@ -560,8 +560,12 @@
           </a:p>
           <a:p>
             <a:r>
+              <a:rPr kumimoji="1" lang="ja-JP" altLang="en-US" dirty="0" smtClean="0"/>
+              <a:t>新人の加藤です</a:t>
+            </a:r>
+            <a:r>
               <a:rPr kumimoji="1" lang="ja-JP" altLang="en-US" dirty="0"/>
-              <a:t>新人の加藤です。よろしくお願いします。</a:t>
+              <a:t>。よろしくお願いします。</a:t>
             </a:r>
           </a:p>
         </p:txBody>
@@ -656,7 +660,19 @@
                 <a:ea typeface="+mn-ea"/>
                 <a:cs typeface="+mn-cs"/>
               </a:rPr>
-              <a:t>次に、右の図のプログラムを起動させると、③と④の実行結果が得られました。</a:t>
+              <a:t>次に、右の図のプログラムを起動させると、③と④の実行結果が</a:t>
+            </a:r>
+            <a:r>
+              <a:rPr kumimoji="1" lang="ja-JP" altLang="en-US" sz="1200" b="0" kern="1200" dirty="0" smtClean="0">
+                <a:solidFill>
+                  <a:schemeClr val="tx1"/>
+                </a:solidFill>
+                <a:effectLst/>
+                <a:latin typeface="+mn-lt"/>
+                <a:ea typeface="+mn-ea"/>
+                <a:cs typeface="+mn-cs"/>
+              </a:rPr>
+              <a:t>得られます。</a:t>
             </a:r>
             <a:endParaRPr kumimoji="1" lang="en-US" altLang="ja-JP" sz="1200" b="0" kern="1200" dirty="0">
               <a:solidFill>
@@ -2483,7 +2499,7 @@
           </a:p>
           <a:p>
             <a:r>
-              <a:rPr kumimoji="1" lang="ja-JP" altLang="en-US" sz="1200" b="0" kern="1200" dirty="0">
+              <a:rPr kumimoji="1" lang="ja-JP" altLang="en-US" sz="1200" b="0" kern="1200" dirty="0" smtClean="0">
                 <a:solidFill>
                   <a:schemeClr val="tx1"/>
                 </a:solidFill>
@@ -2492,12 +2508,12 @@
                 <a:ea typeface="+mn-ea"/>
                 <a:cs typeface="+mn-cs"/>
               </a:rPr>
-              <a:t>文字列を要素とするリストを作成し、そのリスト内に含まれる文字列と同じ文字列には処理を行わなくさせる手法のことです。 </a:t>
-            </a:r>
-          </a:p>
-          <a:p>
-            <a:r>
-              <a:rPr kumimoji="1" lang="ja-JP" altLang="en-US" sz="1200" b="0" kern="1200" dirty="0">
+              <a:t>ストップワーズとは、処理を行わない文字列のリストのことです。</a:t>
+            </a:r>
+          </a:p>
+          <a:p>
+            <a:r>
+              <a:rPr kumimoji="1" lang="ja-JP" altLang="en-US" sz="1200" b="0" kern="1200" dirty="0" smtClean="0">
                 <a:solidFill>
                   <a:schemeClr val="tx1"/>
                 </a:solidFill>
@@ -2506,9 +2522,9 @@
                 <a:ea typeface="+mn-ea"/>
                 <a:cs typeface="+mn-cs"/>
               </a:rPr>
-              <a:t>ストップワーズは主に、分かち書きされた文字列のリストに対して使います。</a:t>
-            </a:r>
-            <a:endParaRPr kumimoji="1" lang="en-US" altLang="ja-JP" sz="1200" b="0" kern="1200" dirty="0">
+              <a:t>ストップワーズは、分かち書きされた文字列のリストに対して使います。</a:t>
+            </a:r>
+            <a:endParaRPr kumimoji="1" lang="en-US" altLang="ja-JP" sz="1200" b="0" kern="1200" dirty="0" smtClean="0">
               <a:solidFill>
                 <a:schemeClr val="tx1"/>
               </a:solidFill>
@@ -2537,8 +2553,12 @@
               <a:defRPr/>
             </a:pPr>
             <a:r>
+              <a:rPr lang="ja-JP" altLang="en-US" dirty="0" smtClean="0"/>
+              <a:t>次</a:t>
+            </a:r>
+            <a:r>
               <a:rPr lang="ja-JP" altLang="en-US" dirty="0"/>
-              <a:t>次に、ストップワーズの例を挙げます。</a:t>
+              <a:t>に、ストップワーズの例を挙げます。</a:t>
             </a:r>
           </a:p>
         </p:txBody>
@@ -3042,7 +3062,7 @@
           <a:p>
             <a:fld id="{7F66ACBD-50A7-4FA7-AEF4-1526A2F3BBD7}" type="datetime1">
               <a:rPr lang="en-US" altLang="ja-JP" smtClean="0"/>
-              <a:t>6/7/2019</a:t>
+              <a:t>6/9/2019</a:t>
             </a:fld>
             <a:endParaRPr lang="en-US" dirty="0"/>
           </a:p>
@@ -4130,7 +4150,7 @@
           <a:p>
             <a:fld id="{36E979CF-93A7-44F1-8A95-79B9722937A5}" type="datetime1">
               <a:rPr lang="en-US" altLang="ja-JP" smtClean="0"/>
-              <a:t>6/7/2019</a:t>
+              <a:t>6/9/2019</a:t>
             </a:fld>
             <a:endParaRPr lang="en-US" dirty="0"/>
           </a:p>
@@ -5110,7 +5130,7 @@
           <a:p>
             <a:fld id="{2F7CB0F3-CB61-4677-B484-4F4A7D7D7093}" type="datetime1">
               <a:rPr lang="en-US" altLang="ja-JP" smtClean="0"/>
-              <a:t>6/7/2019</a:t>
+              <a:t>6/9/2019</a:t>
             </a:fld>
             <a:endParaRPr lang="en-US" dirty="0"/>
           </a:p>
@@ -6244,7 +6264,7 @@
           <a:p>
             <a:fld id="{3456831F-F427-4533-91F7-66DB93699D95}" type="datetime1">
               <a:rPr lang="en-US" altLang="ja-JP" smtClean="0"/>
-              <a:t>6/7/2019</a:t>
+              <a:t>6/9/2019</a:t>
             </a:fld>
             <a:endParaRPr lang="en-US" dirty="0"/>
           </a:p>
@@ -7277,7 +7297,7 @@
           <a:p>
             <a:fld id="{938F3E2D-7393-4746-9BBB-CCC2E4395CBC}" type="datetime1">
               <a:rPr lang="en-US" altLang="ja-JP" smtClean="0"/>
-              <a:t>6/7/2019</a:t>
+              <a:t>6/9/2019</a:t>
             </a:fld>
             <a:endParaRPr lang="en-US" dirty="0"/>
           </a:p>
@@ -7937,7 +7957,7 @@
           <a:p>
             <a:fld id="{BB231C4D-0545-4942-AC8A-E05A99658CB0}" type="datetime1">
               <a:rPr lang="en-US" altLang="ja-JP" smtClean="0"/>
-              <a:t>6/7/2019</a:t>
+              <a:t>6/9/2019</a:t>
             </a:fld>
             <a:endParaRPr lang="en-US" dirty="0"/>
           </a:p>
@@ -8798,7 +8818,7 @@
           <a:p>
             <a:fld id="{51638514-DE7F-43EA-9E4F-41D4B7F46E95}" type="datetime1">
               <a:rPr lang="en-US" altLang="ja-JP" smtClean="0"/>
-              <a:t>6/7/2019</a:t>
+              <a:t>6/9/2019</a:t>
             </a:fld>
             <a:endParaRPr lang="en-US" dirty="0"/>
           </a:p>
@@ -9020,7 +9040,7 @@
           <a:p>
             <a:fld id="{0E6C27FB-3560-4A28-944F-E9F18B426362}" type="datetime1">
               <a:rPr lang="en-US" altLang="ja-JP" smtClean="0"/>
-              <a:t>6/7/2019</a:t>
+              <a:t>6/9/2019</a:t>
             </a:fld>
             <a:endParaRPr lang="en-US" dirty="0"/>
           </a:p>
@@ -10024,7 +10044,7 @@
           <a:p>
             <a:fld id="{531EDF72-96E7-4295-8030-0533A9CFCD4C}" type="datetime1">
               <a:rPr lang="en-US" altLang="ja-JP" smtClean="0"/>
-              <a:t>6/7/2019</a:t>
+              <a:t>6/9/2019</a:t>
             </a:fld>
             <a:endParaRPr lang="en-US" dirty="0"/>
           </a:p>
@@ -10267,7 +10287,7 @@
           <a:p>
             <a:fld id="{EB838B0E-EF5D-444C-86B8-F749174EBA9E}" type="datetime1">
               <a:rPr lang="en-US" altLang="ja-JP" smtClean="0"/>
-              <a:t>6/7/2019</a:t>
+              <a:t>6/9/2019</a:t>
             </a:fld>
             <a:endParaRPr lang="en-US" dirty="0"/>
           </a:p>
@@ -11301,7 +11321,7 @@
           <a:p>
             <a:fld id="{5CAB1F5B-3D1E-4C66-A732-9948D5D1433F}" type="datetime1">
               <a:rPr lang="en-US" altLang="ja-JP" smtClean="0"/>
-              <a:t>6/7/2019</a:t>
+              <a:t>6/9/2019</a:t>
             </a:fld>
             <a:endParaRPr lang="en-US" dirty="0"/>
           </a:p>
@@ -11637,7 +11657,7 @@
           <a:p>
             <a:fld id="{8C9E09E1-9F18-479E-9333-6D5313B28641}" type="datetime1">
               <a:rPr lang="en-US" altLang="ja-JP" smtClean="0"/>
-              <a:t>6/7/2019</a:t>
+              <a:t>6/9/2019</a:t>
             </a:fld>
             <a:endParaRPr lang="en-US" dirty="0"/>
           </a:p>
@@ -12111,7 +12131,7 @@
           <a:p>
             <a:fld id="{0BC6A8C0-A581-4FA1-A218-315132F76B88}" type="datetime1">
               <a:rPr lang="en-US" altLang="ja-JP" smtClean="0"/>
-              <a:t>6/7/2019</a:t>
+              <a:t>6/9/2019</a:t>
             </a:fld>
             <a:endParaRPr lang="en-US" dirty="0"/>
           </a:p>
@@ -12238,7 +12258,7 @@
           <a:p>
             <a:fld id="{075DFA2F-3865-44B8-96BE-FEC694BE28F6}" type="datetime1">
               <a:rPr lang="en-US" altLang="ja-JP" smtClean="0"/>
-              <a:t>6/7/2019</a:t>
+              <a:t>6/9/2019</a:t>
             </a:fld>
             <a:endParaRPr lang="en-US" dirty="0"/>
           </a:p>
@@ -12333,7 +12353,7 @@
           <a:p>
             <a:fld id="{15002988-E463-4896-8A3F-FFAFEE60B5F2}" type="datetime1">
               <a:rPr lang="en-US" altLang="ja-JP" smtClean="0"/>
-              <a:t>6/7/2019</a:t>
+              <a:t>6/9/2019</a:t>
             </a:fld>
             <a:endParaRPr lang="en-US" dirty="0"/>
           </a:p>
@@ -13446,7 +13466,7 @@
           <a:p>
             <a:fld id="{8C00A98F-F361-450E-BF47-856E13DA0A48}" type="datetime1">
               <a:rPr lang="en-US" altLang="ja-JP" smtClean="0"/>
-              <a:t>6/7/2019</a:t>
+              <a:t>6/9/2019</a:t>
             </a:fld>
             <a:endParaRPr lang="en-US" dirty="0"/>
           </a:p>
@@ -14554,7 +14574,7 @@
           <a:p>
             <a:fld id="{9D73FAA7-8321-47E5-914D-3A702AA0F94F}" type="datetime1">
               <a:rPr lang="en-US" altLang="ja-JP" smtClean="0"/>
-              <a:t>6/7/2019</a:t>
+              <a:t>6/9/2019</a:t>
             </a:fld>
             <a:endParaRPr lang="en-US" dirty="0"/>
           </a:p>
@@ -15583,7 +15603,7 @@
           <a:p>
             <a:fld id="{D4842B0A-7F53-46A9-84AD-CAC305830B72}" type="datetime1">
               <a:rPr lang="en-US" altLang="ja-JP" smtClean="0"/>
-              <a:t>6/7/2019</a:t>
+              <a:t>6/9/2019</a:t>
             </a:fld>
             <a:endParaRPr lang="en-US" dirty="0"/>
           </a:p>
@@ -16148,7 +16168,7 @@
           <p:cNvPr id="2" name="タイトル 1">
             <a:extLst>
               <a:ext uri="{FF2B5EF4-FFF2-40B4-BE49-F238E27FC236}">
-                <a16:creationId xmlns:a16="http://schemas.microsoft.com/office/drawing/2014/main" id="{9D1E68BD-FFE9-4217-A392-495F228CC58E}"/>
+                <a16:creationId xmlns="" xmlns:a16="http://schemas.microsoft.com/office/drawing/2014/main" id="{9D1E68BD-FFE9-4217-A392-495F228CC58E}"/>
               </a:ext>
             </a:extLst>
           </p:cNvPr>
@@ -16185,7 +16205,7 @@
           <p:cNvPr id="3" name="字幕 2">
             <a:extLst>
               <a:ext uri="{FF2B5EF4-FFF2-40B4-BE49-F238E27FC236}">
-                <a16:creationId xmlns:a16="http://schemas.microsoft.com/office/drawing/2014/main" id="{DAD47E9A-DB27-42BC-AA6A-E06B1D6A2390}"/>
+                <a16:creationId xmlns="" xmlns:a16="http://schemas.microsoft.com/office/drawing/2014/main" id="{DAD47E9A-DB27-42BC-AA6A-E06B1D6A2390}"/>
               </a:ext>
             </a:extLst>
           </p:cNvPr>
@@ -16296,7 +16316,7 @@
           <p:cNvPr id="4" name="スライド番号プレースホルダー 3">
             <a:extLst>
               <a:ext uri="{FF2B5EF4-FFF2-40B4-BE49-F238E27FC236}">
-                <a16:creationId xmlns:a16="http://schemas.microsoft.com/office/drawing/2014/main" id="{2AEE9859-9B87-47C0-BB43-A9CF15850346}"/>
+                <a16:creationId xmlns="" xmlns:a16="http://schemas.microsoft.com/office/drawing/2014/main" id="{2AEE9859-9B87-47C0-BB43-A9CF15850346}"/>
               </a:ext>
             </a:extLst>
           </p:cNvPr>
@@ -16326,7 +16346,7 @@
           <p:cNvPr id="5" name="テキスト ボックス 4">
             <a:extLst>
               <a:ext uri="{FF2B5EF4-FFF2-40B4-BE49-F238E27FC236}">
-                <a16:creationId xmlns:a16="http://schemas.microsoft.com/office/drawing/2014/main" id="{C6FD9C2A-9D39-46BE-A093-F94C205B8634}"/>
+                <a16:creationId xmlns="" xmlns:a16="http://schemas.microsoft.com/office/drawing/2014/main" id="{C6FD9C2A-9D39-46BE-A093-F94C205B8634}"/>
               </a:ext>
             </a:extLst>
           </p:cNvPr>
@@ -16402,7 +16422,7 @@
           <p:cNvPr id="2" name="タイトル 1">
             <a:extLst>
               <a:ext uri="{FF2B5EF4-FFF2-40B4-BE49-F238E27FC236}">
-                <a16:creationId xmlns:a16="http://schemas.microsoft.com/office/drawing/2014/main" id="{6928F1E9-37F2-4BBD-86BF-BD43A50AFEAA}"/>
+                <a16:creationId xmlns="" xmlns:a16="http://schemas.microsoft.com/office/drawing/2014/main" id="{6928F1E9-37F2-4BBD-86BF-BD43A50AFEAA}"/>
               </a:ext>
             </a:extLst>
           </p:cNvPr>
@@ -16443,7 +16463,7 @@
           <p:cNvPr id="4" name="スライド番号プレースホルダー 3">
             <a:extLst>
               <a:ext uri="{FF2B5EF4-FFF2-40B4-BE49-F238E27FC236}">
-                <a16:creationId xmlns:a16="http://schemas.microsoft.com/office/drawing/2014/main" id="{DA5DB093-BA8A-4A8A-B9F3-B40AC4F42CDE}"/>
+                <a16:creationId xmlns="" xmlns:a16="http://schemas.microsoft.com/office/drawing/2014/main" id="{DA5DB093-BA8A-4A8A-B9F3-B40AC4F42CDE}"/>
               </a:ext>
             </a:extLst>
           </p:cNvPr>
@@ -16473,7 +16493,7 @@
           <p:cNvPr id="8" name="テキスト ボックス 7">
             <a:extLst>
               <a:ext uri="{FF2B5EF4-FFF2-40B4-BE49-F238E27FC236}">
-                <a16:creationId xmlns:a16="http://schemas.microsoft.com/office/drawing/2014/main" id="{4AB3728E-592E-4349-97D3-8CB96546DDAB}"/>
+                <a16:creationId xmlns="" xmlns:a16="http://schemas.microsoft.com/office/drawing/2014/main" id="{4AB3728E-592E-4349-97D3-8CB96546DDAB}"/>
               </a:ext>
             </a:extLst>
           </p:cNvPr>
@@ -16512,7 +16532,7 @@
           <p:cNvPr id="9" name="テキスト ボックス 8">
             <a:extLst>
               <a:ext uri="{FF2B5EF4-FFF2-40B4-BE49-F238E27FC236}">
-                <a16:creationId xmlns:a16="http://schemas.microsoft.com/office/drawing/2014/main" id="{18A5EB3A-521D-4FA6-92E0-4D344CB498F5}"/>
+                <a16:creationId xmlns="" xmlns:a16="http://schemas.microsoft.com/office/drawing/2014/main" id="{18A5EB3A-521D-4FA6-92E0-4D344CB498F5}"/>
               </a:ext>
             </a:extLst>
           </p:cNvPr>
@@ -16551,7 +16571,7 @@
           <p:cNvPr id="10" name="テキスト ボックス 9">
             <a:extLst>
               <a:ext uri="{FF2B5EF4-FFF2-40B4-BE49-F238E27FC236}">
-                <a16:creationId xmlns:a16="http://schemas.microsoft.com/office/drawing/2014/main" id="{05D9DB0A-84FB-48EE-8A86-421961C5D9C6}"/>
+                <a16:creationId xmlns="" xmlns:a16="http://schemas.microsoft.com/office/drawing/2014/main" id="{05D9DB0A-84FB-48EE-8A86-421961C5D9C6}"/>
               </a:ext>
             </a:extLst>
           </p:cNvPr>
@@ -16590,7 +16610,7 @@
           <p:cNvPr id="11" name="テキスト ボックス 10">
             <a:extLst>
               <a:ext uri="{FF2B5EF4-FFF2-40B4-BE49-F238E27FC236}">
-                <a16:creationId xmlns:a16="http://schemas.microsoft.com/office/drawing/2014/main" id="{0F9CED7E-B2F6-4F9E-B0AF-F047DCAEE8A7}"/>
+                <a16:creationId xmlns="" xmlns:a16="http://schemas.microsoft.com/office/drawing/2014/main" id="{0F9CED7E-B2F6-4F9E-B0AF-F047DCAEE8A7}"/>
               </a:ext>
             </a:extLst>
           </p:cNvPr>
@@ -16636,7 +16656,7 @@
           <p:cNvPr id="5" name="テキスト ボックス 4">
             <a:extLst>
               <a:ext uri="{FF2B5EF4-FFF2-40B4-BE49-F238E27FC236}">
-                <a16:creationId xmlns:a16="http://schemas.microsoft.com/office/drawing/2014/main" id="{4F6B3DB3-61F0-497E-926F-5CC4BA998305}"/>
+                <a16:creationId xmlns="" xmlns:a16="http://schemas.microsoft.com/office/drawing/2014/main" id="{4F6B3DB3-61F0-497E-926F-5CC4BA998305}"/>
               </a:ext>
             </a:extLst>
           </p:cNvPr>
@@ -16738,7 +16758,7 @@
           <p:cNvPr id="12" name="図 11">
             <a:extLst>
               <a:ext uri="{FF2B5EF4-FFF2-40B4-BE49-F238E27FC236}">
-                <a16:creationId xmlns:a16="http://schemas.microsoft.com/office/drawing/2014/main" id="{0F7D0CD6-8BC9-4BA1-B30B-195BEDE46077}"/>
+                <a16:creationId xmlns="" xmlns:a16="http://schemas.microsoft.com/office/drawing/2014/main" id="{0F7D0CD6-8BC9-4BA1-B30B-195BEDE46077}"/>
               </a:ext>
             </a:extLst>
           </p:cNvPr>
@@ -16768,7 +16788,7 @@
           <p:cNvPr id="14" name="Rectangle 1">
             <a:extLst>
               <a:ext uri="{FF2B5EF4-FFF2-40B4-BE49-F238E27FC236}">
-                <a16:creationId xmlns:a16="http://schemas.microsoft.com/office/drawing/2014/main" id="{C969114D-8BE1-4A42-98E8-84777A851F5A}"/>
+                <a16:creationId xmlns="" xmlns:a16="http://schemas.microsoft.com/office/drawing/2014/main" id="{C969114D-8BE1-4A42-98E8-84777A851F5A}"/>
               </a:ext>
             </a:extLst>
           </p:cNvPr>
@@ -17107,7 +17127,7 @@
           <p:cNvPr id="15" name="Rectangle 2">
             <a:extLst>
               <a:ext uri="{FF2B5EF4-FFF2-40B4-BE49-F238E27FC236}">
-                <a16:creationId xmlns:a16="http://schemas.microsoft.com/office/drawing/2014/main" id="{61515F2B-5838-4D3C-964B-8D7DEC129492}"/>
+                <a16:creationId xmlns="" xmlns:a16="http://schemas.microsoft.com/office/drawing/2014/main" id="{61515F2B-5838-4D3C-964B-8D7DEC129492}"/>
               </a:ext>
             </a:extLst>
           </p:cNvPr>
@@ -17243,7 +17263,7 @@
           <p:cNvPr id="2" name="タイトル 1">
             <a:extLst>
               <a:ext uri="{FF2B5EF4-FFF2-40B4-BE49-F238E27FC236}">
-                <a16:creationId xmlns:a16="http://schemas.microsoft.com/office/drawing/2014/main" id="{D0883148-3B05-4EBA-8D8D-4A387550329B}"/>
+                <a16:creationId xmlns="" xmlns:a16="http://schemas.microsoft.com/office/drawing/2014/main" id="{D0883148-3B05-4EBA-8D8D-4A387550329B}"/>
               </a:ext>
             </a:extLst>
           </p:cNvPr>
@@ -17284,7 +17304,7 @@
           <p:cNvPr id="3" name="コンテンツ プレースホルダー 2">
             <a:extLst>
               <a:ext uri="{FF2B5EF4-FFF2-40B4-BE49-F238E27FC236}">
-                <a16:creationId xmlns:a16="http://schemas.microsoft.com/office/drawing/2014/main" id="{D20C2378-9F5C-4F92-BE31-6DD8C6B8DA10}"/>
+                <a16:creationId xmlns="" xmlns:a16="http://schemas.microsoft.com/office/drawing/2014/main" id="{D20C2378-9F5C-4F92-BE31-6DD8C6B8DA10}"/>
               </a:ext>
             </a:extLst>
           </p:cNvPr>
@@ -17403,7 +17423,7 @@
           <p:cNvPr id="4" name="スライド番号プレースホルダー 3">
             <a:extLst>
               <a:ext uri="{FF2B5EF4-FFF2-40B4-BE49-F238E27FC236}">
-                <a16:creationId xmlns:a16="http://schemas.microsoft.com/office/drawing/2014/main" id="{CE283CF4-B8E4-4812-9D35-95264C1E8051}"/>
+                <a16:creationId xmlns="" xmlns:a16="http://schemas.microsoft.com/office/drawing/2014/main" id="{CE283CF4-B8E4-4812-9D35-95264C1E8051}"/>
               </a:ext>
             </a:extLst>
           </p:cNvPr>
@@ -17433,7 +17453,7 @@
           <p:cNvPr id="6" name="テキスト ボックス 5">
             <a:extLst>
               <a:ext uri="{FF2B5EF4-FFF2-40B4-BE49-F238E27FC236}">
-                <a16:creationId xmlns:a16="http://schemas.microsoft.com/office/drawing/2014/main" id="{B227CD6C-A355-4923-A993-BB120EEDEB43}"/>
+                <a16:creationId xmlns="" xmlns:a16="http://schemas.microsoft.com/office/drawing/2014/main" id="{B227CD6C-A355-4923-A993-BB120EEDEB43}"/>
               </a:ext>
             </a:extLst>
           </p:cNvPr>
@@ -17563,7 +17583,7 @@
           <p:cNvPr id="8" name="直線コネクタ 7">
             <a:extLst>
               <a:ext uri="{FF2B5EF4-FFF2-40B4-BE49-F238E27FC236}">
-                <a16:creationId xmlns:a16="http://schemas.microsoft.com/office/drawing/2014/main" id="{1587407B-24B1-41F6-BFE3-21396E226CB0}"/>
+                <a16:creationId xmlns="" xmlns:a16="http://schemas.microsoft.com/office/drawing/2014/main" id="{1587407B-24B1-41F6-BFE3-21396E226CB0}"/>
               </a:ext>
             </a:extLst>
           </p:cNvPr>
@@ -17604,7 +17624,7 @@
           <p:cNvPr id="10" name="テキスト ボックス 9">
             <a:extLst>
               <a:ext uri="{FF2B5EF4-FFF2-40B4-BE49-F238E27FC236}">
-                <a16:creationId xmlns:a16="http://schemas.microsoft.com/office/drawing/2014/main" id="{EEA16F00-1E9A-4A4D-8FC2-54B02E3BB02C}"/>
+                <a16:creationId xmlns="" xmlns:a16="http://schemas.microsoft.com/office/drawing/2014/main" id="{EEA16F00-1E9A-4A4D-8FC2-54B02E3BB02C}"/>
               </a:ext>
             </a:extLst>
           </p:cNvPr>
@@ -17643,7 +17663,7 @@
           <p:cNvPr id="11" name="テキスト ボックス 10">
             <a:extLst>
               <a:ext uri="{FF2B5EF4-FFF2-40B4-BE49-F238E27FC236}">
-                <a16:creationId xmlns:a16="http://schemas.microsoft.com/office/drawing/2014/main" id="{1CF28E98-CB94-44BD-B8E7-EA72CD5D94DF}"/>
+                <a16:creationId xmlns="" xmlns:a16="http://schemas.microsoft.com/office/drawing/2014/main" id="{1CF28E98-CB94-44BD-B8E7-EA72CD5D94DF}"/>
               </a:ext>
             </a:extLst>
           </p:cNvPr>
@@ -17682,7 +17702,7 @@
           <p:cNvPr id="12" name="次の値と等しい 11">
             <a:extLst>
               <a:ext uri="{FF2B5EF4-FFF2-40B4-BE49-F238E27FC236}">
-                <a16:creationId xmlns:a16="http://schemas.microsoft.com/office/drawing/2014/main" id="{9D161DEB-9FE4-41B9-8A11-49EA3DC3FA31}"/>
+                <a16:creationId xmlns="" xmlns:a16="http://schemas.microsoft.com/office/drawing/2014/main" id="{9D161DEB-9FE4-41B9-8A11-49EA3DC3FA31}"/>
               </a:ext>
             </a:extLst>
           </p:cNvPr>
@@ -17732,7 +17752,7 @@
           <p:cNvPr id="13" name="テキスト ボックス 12">
             <a:extLst>
               <a:ext uri="{FF2B5EF4-FFF2-40B4-BE49-F238E27FC236}">
-                <a16:creationId xmlns:a16="http://schemas.microsoft.com/office/drawing/2014/main" id="{66C50B4E-F1ED-45CB-90AF-65CEE47A6129}"/>
+                <a16:creationId xmlns="" xmlns:a16="http://schemas.microsoft.com/office/drawing/2014/main" id="{66C50B4E-F1ED-45CB-90AF-65CEE47A6129}"/>
               </a:ext>
             </a:extLst>
           </p:cNvPr>
@@ -17778,7 +17798,7 @@
           <p:cNvPr id="7" name="テキスト ボックス 6">
             <a:extLst>
               <a:ext uri="{FF2B5EF4-FFF2-40B4-BE49-F238E27FC236}">
-                <a16:creationId xmlns:a16="http://schemas.microsoft.com/office/drawing/2014/main" id="{27EE992C-E8EE-4D12-BFAA-22488FA7B2A7}"/>
+                <a16:creationId xmlns="" xmlns:a16="http://schemas.microsoft.com/office/drawing/2014/main" id="{27EE992C-E8EE-4D12-BFAA-22488FA7B2A7}"/>
               </a:ext>
             </a:extLst>
           </p:cNvPr>
@@ -17851,7 +17871,7 @@
           <p:cNvPr id="2" name="タイトル 1">
             <a:extLst>
               <a:ext uri="{FF2B5EF4-FFF2-40B4-BE49-F238E27FC236}">
-                <a16:creationId xmlns:a16="http://schemas.microsoft.com/office/drawing/2014/main" id="{6928F1E9-37F2-4BBD-86BF-BD43A50AFEAA}"/>
+                <a16:creationId xmlns="" xmlns:a16="http://schemas.microsoft.com/office/drawing/2014/main" id="{6928F1E9-37F2-4BBD-86BF-BD43A50AFEAA}"/>
               </a:ext>
             </a:extLst>
           </p:cNvPr>
@@ -17885,7 +17905,7 @@
           <p:cNvPr id="3" name="コンテンツ プレースホルダー 2">
             <a:extLst>
               <a:ext uri="{FF2B5EF4-FFF2-40B4-BE49-F238E27FC236}">
-                <a16:creationId xmlns:a16="http://schemas.microsoft.com/office/drawing/2014/main" id="{F170D71A-9295-43E6-84D0-D855429DE75D}"/>
+                <a16:creationId xmlns="" xmlns:a16="http://schemas.microsoft.com/office/drawing/2014/main" id="{F170D71A-9295-43E6-84D0-D855429DE75D}"/>
               </a:ext>
             </a:extLst>
           </p:cNvPr>
@@ -17987,7 +18007,7 @@
           <p:cNvPr id="4" name="スライド番号プレースホルダー 3">
             <a:extLst>
               <a:ext uri="{FF2B5EF4-FFF2-40B4-BE49-F238E27FC236}">
-                <a16:creationId xmlns:a16="http://schemas.microsoft.com/office/drawing/2014/main" id="{5F02A023-584F-45B8-8F5A-25B9DCBAC767}"/>
+                <a16:creationId xmlns="" xmlns:a16="http://schemas.microsoft.com/office/drawing/2014/main" id="{5F02A023-584F-45B8-8F5A-25B9DCBAC767}"/>
               </a:ext>
             </a:extLst>
           </p:cNvPr>
@@ -18017,7 +18037,7 @@
           <p:cNvPr id="7" name="テキスト ボックス 6">
             <a:extLst>
               <a:ext uri="{FF2B5EF4-FFF2-40B4-BE49-F238E27FC236}">
-                <a16:creationId xmlns:a16="http://schemas.microsoft.com/office/drawing/2014/main" id="{659150EB-DBA6-485D-9FB1-85669813609C}"/>
+                <a16:creationId xmlns="" xmlns:a16="http://schemas.microsoft.com/office/drawing/2014/main" id="{659150EB-DBA6-485D-9FB1-85669813609C}"/>
               </a:ext>
             </a:extLst>
           </p:cNvPr>
@@ -18063,7 +18083,7 @@
           <p:cNvPr id="6" name="テキスト ボックス 5">
             <a:extLst>
               <a:ext uri="{FF2B5EF4-FFF2-40B4-BE49-F238E27FC236}">
-                <a16:creationId xmlns:a16="http://schemas.microsoft.com/office/drawing/2014/main" id="{C4DF5AA9-FDCA-40AD-AC30-EB3026D152CC}"/>
+                <a16:creationId xmlns="" xmlns:a16="http://schemas.microsoft.com/office/drawing/2014/main" id="{C4DF5AA9-FDCA-40AD-AC30-EB3026D152CC}"/>
               </a:ext>
             </a:extLst>
           </p:cNvPr>
@@ -18154,7 +18174,7 @@
           <p:cNvPr id="8" name="直線コネクタ 7">
             <a:extLst>
               <a:ext uri="{FF2B5EF4-FFF2-40B4-BE49-F238E27FC236}">
-                <a16:creationId xmlns:a16="http://schemas.microsoft.com/office/drawing/2014/main" id="{648D64A0-AE58-46D0-9AA9-BEE0636AAA12}"/>
+                <a16:creationId xmlns="" xmlns:a16="http://schemas.microsoft.com/office/drawing/2014/main" id="{648D64A0-AE58-46D0-9AA9-BEE0636AAA12}"/>
               </a:ext>
             </a:extLst>
           </p:cNvPr>
@@ -18227,7 +18247,7 @@
           <p:cNvPr id="3" name="コンテンツ プレースホルダー 2">
             <a:extLst>
               <a:ext uri="{FF2B5EF4-FFF2-40B4-BE49-F238E27FC236}">
-                <a16:creationId xmlns:a16="http://schemas.microsoft.com/office/drawing/2014/main" id="{E60DCB5B-B157-48EF-98B9-365A916DC4C7}"/>
+                <a16:creationId xmlns="" xmlns:a16="http://schemas.microsoft.com/office/drawing/2014/main" id="{E60DCB5B-B157-48EF-98B9-365A916DC4C7}"/>
               </a:ext>
             </a:extLst>
           </p:cNvPr>
@@ -18265,7 +18285,7 @@
           <p:cNvPr id="4" name="スライド番号プレースホルダー 3">
             <a:extLst>
               <a:ext uri="{FF2B5EF4-FFF2-40B4-BE49-F238E27FC236}">
-                <a16:creationId xmlns:a16="http://schemas.microsoft.com/office/drawing/2014/main" id="{A2FA2500-B207-46D5-9A75-F44131BB4C9A}"/>
+                <a16:creationId xmlns="" xmlns:a16="http://schemas.microsoft.com/office/drawing/2014/main" id="{A2FA2500-B207-46D5-9A75-F44131BB4C9A}"/>
               </a:ext>
             </a:extLst>
           </p:cNvPr>
@@ -18295,7 +18315,7 @@
           <p:cNvPr id="5" name="テキスト ボックス 4">
             <a:extLst>
               <a:ext uri="{FF2B5EF4-FFF2-40B4-BE49-F238E27FC236}">
-                <a16:creationId xmlns:a16="http://schemas.microsoft.com/office/drawing/2014/main" id="{BC3D4195-31BF-4D55-A9BD-E6427371E468}"/>
+                <a16:creationId xmlns="" xmlns:a16="http://schemas.microsoft.com/office/drawing/2014/main" id="{BC3D4195-31BF-4D55-A9BD-E6427371E468}"/>
               </a:ext>
             </a:extLst>
           </p:cNvPr>
@@ -18371,7 +18391,7 @@
           <p:cNvPr id="2" name="タイトル 1">
             <a:extLst>
               <a:ext uri="{FF2B5EF4-FFF2-40B4-BE49-F238E27FC236}">
-                <a16:creationId xmlns:a16="http://schemas.microsoft.com/office/drawing/2014/main" id="{6928F1E9-37F2-4BBD-86BF-BD43A50AFEAA}"/>
+                <a16:creationId xmlns="" xmlns:a16="http://schemas.microsoft.com/office/drawing/2014/main" id="{6928F1E9-37F2-4BBD-86BF-BD43A50AFEAA}"/>
               </a:ext>
             </a:extLst>
           </p:cNvPr>
@@ -18404,7 +18424,7 @@
           <p:cNvPr id="3" name="コンテンツ プレースホルダー 2">
             <a:extLst>
               <a:ext uri="{FF2B5EF4-FFF2-40B4-BE49-F238E27FC236}">
-                <a16:creationId xmlns:a16="http://schemas.microsoft.com/office/drawing/2014/main" id="{F170D71A-9295-43E6-84D0-D855429DE75D}"/>
+                <a16:creationId xmlns="" xmlns:a16="http://schemas.microsoft.com/office/drawing/2014/main" id="{F170D71A-9295-43E6-84D0-D855429DE75D}"/>
               </a:ext>
             </a:extLst>
           </p:cNvPr>
@@ -18472,7 +18492,7 @@
           <p:cNvPr id="4" name="スライド番号プレースホルダー 3">
             <a:extLst>
               <a:ext uri="{FF2B5EF4-FFF2-40B4-BE49-F238E27FC236}">
-                <a16:creationId xmlns:a16="http://schemas.microsoft.com/office/drawing/2014/main" id="{5F02A023-584F-45B8-8F5A-25B9DCBAC767}"/>
+                <a16:creationId xmlns="" xmlns:a16="http://schemas.microsoft.com/office/drawing/2014/main" id="{5F02A023-584F-45B8-8F5A-25B9DCBAC767}"/>
               </a:ext>
             </a:extLst>
           </p:cNvPr>
@@ -18502,7 +18522,7 @@
           <p:cNvPr id="5" name="テキスト ボックス 4">
             <a:extLst>
               <a:ext uri="{FF2B5EF4-FFF2-40B4-BE49-F238E27FC236}">
-                <a16:creationId xmlns:a16="http://schemas.microsoft.com/office/drawing/2014/main" id="{C9271DCC-99A0-4068-82EA-B855F9651BA3}"/>
+                <a16:creationId xmlns="" xmlns:a16="http://schemas.microsoft.com/office/drawing/2014/main" id="{C9271DCC-99A0-4068-82EA-B855F9651BA3}"/>
               </a:ext>
             </a:extLst>
           </p:cNvPr>
@@ -18553,6 +18573,13 @@
   <p:clrMapOvr>
     <a:masterClrMapping/>
   </p:clrMapOvr>
+  <p:timing>
+    <p:tnLst>
+      <p:par>
+        <p:cTn id="1" dur="indefinite" restart="never" nodeType="tmRoot"/>
+      </p:par>
+    </p:tnLst>
+  </p:timing>
 </p:sld>
 </file>
 
@@ -18578,7 +18605,7 @@
           <p:cNvPr id="2" name="タイトル 1">
             <a:extLst>
               <a:ext uri="{FF2B5EF4-FFF2-40B4-BE49-F238E27FC236}">
-                <a16:creationId xmlns:a16="http://schemas.microsoft.com/office/drawing/2014/main" id="{6928F1E9-37F2-4BBD-86BF-BD43A50AFEAA}"/>
+                <a16:creationId xmlns="" xmlns:a16="http://schemas.microsoft.com/office/drawing/2014/main" id="{6928F1E9-37F2-4BBD-86BF-BD43A50AFEAA}"/>
               </a:ext>
             </a:extLst>
           </p:cNvPr>
@@ -18611,7 +18638,7 @@
           <p:cNvPr id="3" name="コンテンツ プレースホルダー 2">
             <a:extLst>
               <a:ext uri="{FF2B5EF4-FFF2-40B4-BE49-F238E27FC236}">
-                <a16:creationId xmlns:a16="http://schemas.microsoft.com/office/drawing/2014/main" id="{F170D71A-9295-43E6-84D0-D855429DE75D}"/>
+                <a16:creationId xmlns="" xmlns:a16="http://schemas.microsoft.com/office/drawing/2014/main" id="{F170D71A-9295-43E6-84D0-D855429DE75D}"/>
               </a:ext>
             </a:extLst>
           </p:cNvPr>
@@ -18705,7 +18732,7 @@
           <p:cNvPr id="5" name="スライド番号プレースホルダー 4">
             <a:extLst>
               <a:ext uri="{FF2B5EF4-FFF2-40B4-BE49-F238E27FC236}">
-                <a16:creationId xmlns:a16="http://schemas.microsoft.com/office/drawing/2014/main" id="{22FFAE4A-5C0C-467B-8A07-494A755167FD}"/>
+                <a16:creationId xmlns="" xmlns:a16="http://schemas.microsoft.com/office/drawing/2014/main" id="{22FFAE4A-5C0C-467B-8A07-494A755167FD}"/>
               </a:ext>
             </a:extLst>
           </p:cNvPr>
@@ -18735,7 +18762,7 @@
           <p:cNvPr id="6" name="テキスト ボックス 5">
             <a:extLst>
               <a:ext uri="{FF2B5EF4-FFF2-40B4-BE49-F238E27FC236}">
-                <a16:creationId xmlns:a16="http://schemas.microsoft.com/office/drawing/2014/main" id="{877B5329-012B-409D-9F85-EF5CC093D81F}"/>
+                <a16:creationId xmlns="" xmlns:a16="http://schemas.microsoft.com/office/drawing/2014/main" id="{877B5329-012B-409D-9F85-EF5CC093D81F}"/>
               </a:ext>
             </a:extLst>
           </p:cNvPr>
@@ -18786,6 +18813,13 @@
   <p:clrMapOvr>
     <a:masterClrMapping/>
   </p:clrMapOvr>
+  <p:timing>
+    <p:tnLst>
+      <p:par>
+        <p:cTn id="1" dur="indefinite" restart="never" nodeType="tmRoot"/>
+      </p:par>
+    </p:tnLst>
+  </p:timing>
 </p:sld>
 </file>
 
@@ -18811,7 +18845,7 @@
           <p:cNvPr id="2" name="タイトル 1">
             <a:extLst>
               <a:ext uri="{FF2B5EF4-FFF2-40B4-BE49-F238E27FC236}">
-                <a16:creationId xmlns:a16="http://schemas.microsoft.com/office/drawing/2014/main" id="{6928F1E9-37F2-4BBD-86BF-BD43A50AFEAA}"/>
+                <a16:creationId xmlns="" xmlns:a16="http://schemas.microsoft.com/office/drawing/2014/main" id="{6928F1E9-37F2-4BBD-86BF-BD43A50AFEAA}"/>
               </a:ext>
             </a:extLst>
           </p:cNvPr>
@@ -18844,7 +18878,7 @@
           <p:cNvPr id="3" name="コンテンツ プレースホルダー 2">
             <a:extLst>
               <a:ext uri="{FF2B5EF4-FFF2-40B4-BE49-F238E27FC236}">
-                <a16:creationId xmlns:a16="http://schemas.microsoft.com/office/drawing/2014/main" id="{F170D71A-9295-43E6-84D0-D855429DE75D}"/>
+                <a16:creationId xmlns="" xmlns:a16="http://schemas.microsoft.com/office/drawing/2014/main" id="{F170D71A-9295-43E6-84D0-D855429DE75D}"/>
               </a:ext>
             </a:extLst>
           </p:cNvPr>
@@ -18918,7 +18952,7 @@
           <p:cNvPr id="5" name="スライド番号プレースホルダー 4">
             <a:extLst>
               <a:ext uri="{FF2B5EF4-FFF2-40B4-BE49-F238E27FC236}">
-                <a16:creationId xmlns:a16="http://schemas.microsoft.com/office/drawing/2014/main" id="{22FFAE4A-5C0C-467B-8A07-494A755167FD}"/>
+                <a16:creationId xmlns="" xmlns:a16="http://schemas.microsoft.com/office/drawing/2014/main" id="{22FFAE4A-5C0C-467B-8A07-494A755167FD}"/>
               </a:ext>
             </a:extLst>
           </p:cNvPr>
@@ -18948,7 +18982,7 @@
           <p:cNvPr id="6" name="テキスト ボックス 5">
             <a:extLst>
               <a:ext uri="{FF2B5EF4-FFF2-40B4-BE49-F238E27FC236}">
-                <a16:creationId xmlns:a16="http://schemas.microsoft.com/office/drawing/2014/main" id="{5985ECE4-DB51-4225-8DAE-9101BE6FFD2D}"/>
+                <a16:creationId xmlns="" xmlns:a16="http://schemas.microsoft.com/office/drawing/2014/main" id="{5985ECE4-DB51-4225-8DAE-9101BE6FFD2D}"/>
               </a:ext>
             </a:extLst>
           </p:cNvPr>
@@ -18999,6 +19033,13 @@
   <p:clrMapOvr>
     <a:masterClrMapping/>
   </p:clrMapOvr>
+  <p:timing>
+    <p:tnLst>
+      <p:par>
+        <p:cTn id="1" dur="indefinite" restart="never" nodeType="tmRoot"/>
+      </p:par>
+    </p:tnLst>
+  </p:timing>
 </p:sld>
 </file>
 
@@ -19024,7 +19065,7 @@
           <p:cNvPr id="2" name="タイトル 1">
             <a:extLst>
               <a:ext uri="{FF2B5EF4-FFF2-40B4-BE49-F238E27FC236}">
-                <a16:creationId xmlns:a16="http://schemas.microsoft.com/office/drawing/2014/main" id="{6928F1E9-37F2-4BBD-86BF-BD43A50AFEAA}"/>
+                <a16:creationId xmlns="" xmlns:a16="http://schemas.microsoft.com/office/drawing/2014/main" id="{6928F1E9-37F2-4BBD-86BF-BD43A50AFEAA}"/>
               </a:ext>
             </a:extLst>
           </p:cNvPr>
@@ -19058,7 +19099,7 @@
           <p:cNvPr id="3" name="コンテンツ プレースホルダー 2">
             <a:extLst>
               <a:ext uri="{FF2B5EF4-FFF2-40B4-BE49-F238E27FC236}">
-                <a16:creationId xmlns:a16="http://schemas.microsoft.com/office/drawing/2014/main" id="{F170D71A-9295-43E6-84D0-D855429DE75D}"/>
+                <a16:creationId xmlns="" xmlns:a16="http://schemas.microsoft.com/office/drawing/2014/main" id="{F170D71A-9295-43E6-84D0-D855429DE75D}"/>
               </a:ext>
             </a:extLst>
           </p:cNvPr>
@@ -19126,10 +19167,28 @@
               <a:t>)</a:t>
             </a:r>
             <a:r>
+              <a:rPr lang="ja-JP" altLang="en-US" sz="2800" smtClean="0">
+                <a:latin typeface="+mn-ea"/>
+              </a:rPr>
+              <a:t>「</a:t>
+            </a:r>
+            <a:r>
+              <a:rPr lang="ja-JP" altLang="en-US" sz="2800" smtClean="0">
+                <a:latin typeface="+mn-ea"/>
+              </a:rPr>
+              <a:t>特殊記号</a:t>
+            </a:r>
+            <a:r>
+              <a:rPr lang="ja-JP" altLang="en-US" sz="2800" smtClean="0">
+                <a:latin typeface="+mn-ea"/>
+              </a:rPr>
+              <a:t>」</a:t>
+            </a:r>
+            <a:r>
               <a:rPr lang="ja-JP" altLang="en-US" sz="2800" dirty="0">
                 <a:latin typeface="+mn-ea"/>
               </a:rPr>
-              <a:t>「特殊スペース」や「リンク」などを省くために使われる。</a:t>
+              <a:t>や「リンク」などを省くために使われる。</a:t>
             </a:r>
           </a:p>
         </p:txBody>
@@ -19139,7 +19198,7 @@
           <p:cNvPr id="4" name="スライド番号プレースホルダー 3">
             <a:extLst>
               <a:ext uri="{FF2B5EF4-FFF2-40B4-BE49-F238E27FC236}">
-                <a16:creationId xmlns:a16="http://schemas.microsoft.com/office/drawing/2014/main" id="{DA5DB093-BA8A-4A8A-B9F3-B40AC4F42CDE}"/>
+                <a16:creationId xmlns="" xmlns:a16="http://schemas.microsoft.com/office/drawing/2014/main" id="{DA5DB093-BA8A-4A8A-B9F3-B40AC4F42CDE}"/>
               </a:ext>
             </a:extLst>
           </p:cNvPr>
@@ -19169,7 +19228,7 @@
           <p:cNvPr id="5" name="テキスト ボックス 4">
             <a:extLst>
               <a:ext uri="{FF2B5EF4-FFF2-40B4-BE49-F238E27FC236}">
-                <a16:creationId xmlns:a16="http://schemas.microsoft.com/office/drawing/2014/main" id="{97356501-8E71-4132-9F77-EE9D19FF93CB}"/>
+                <a16:creationId xmlns="" xmlns:a16="http://schemas.microsoft.com/office/drawing/2014/main" id="{97356501-8E71-4132-9F77-EE9D19FF93CB}"/>
               </a:ext>
             </a:extLst>
           </p:cNvPr>
@@ -19220,6 +19279,13 @@
   <p:clrMapOvr>
     <a:masterClrMapping/>
   </p:clrMapOvr>
+  <p:timing>
+    <p:tnLst>
+      <p:par>
+        <p:cTn id="1" dur="indefinite" restart="never" nodeType="tmRoot"/>
+      </p:par>
+    </p:tnLst>
+  </p:timing>
 </p:sld>
 </file>
 
@@ -19245,7 +19311,7 @@
           <p:cNvPr id="7" name="図 6">
             <a:extLst>
               <a:ext uri="{FF2B5EF4-FFF2-40B4-BE49-F238E27FC236}">
-                <a16:creationId xmlns:a16="http://schemas.microsoft.com/office/drawing/2014/main" id="{9A4693D5-4AE7-4518-8D46-454962582432}"/>
+                <a16:creationId xmlns="" xmlns:a16="http://schemas.microsoft.com/office/drawing/2014/main" id="{9A4693D5-4AE7-4518-8D46-454962582432}"/>
               </a:ext>
             </a:extLst>
           </p:cNvPr>
@@ -19275,7 +19341,7 @@
           <p:cNvPr id="2" name="タイトル 1">
             <a:extLst>
               <a:ext uri="{FF2B5EF4-FFF2-40B4-BE49-F238E27FC236}">
-                <a16:creationId xmlns:a16="http://schemas.microsoft.com/office/drawing/2014/main" id="{6928F1E9-37F2-4BBD-86BF-BD43A50AFEAA}"/>
+                <a16:creationId xmlns="" xmlns:a16="http://schemas.microsoft.com/office/drawing/2014/main" id="{6928F1E9-37F2-4BBD-86BF-BD43A50AFEAA}"/>
               </a:ext>
             </a:extLst>
           </p:cNvPr>
@@ -19317,7 +19383,7 @@
           <p:cNvPr id="3" name="コンテンツ プレースホルダー 2">
             <a:extLst>
               <a:ext uri="{FF2B5EF4-FFF2-40B4-BE49-F238E27FC236}">
-                <a16:creationId xmlns:a16="http://schemas.microsoft.com/office/drawing/2014/main" id="{F170D71A-9295-43E6-84D0-D855429DE75D}"/>
+                <a16:creationId xmlns="" xmlns:a16="http://schemas.microsoft.com/office/drawing/2014/main" id="{F170D71A-9295-43E6-84D0-D855429DE75D}"/>
               </a:ext>
             </a:extLst>
           </p:cNvPr>
@@ -19607,7 +19673,7 @@
           <p:cNvPr id="4" name="スライド番号プレースホルダー 3">
             <a:extLst>
               <a:ext uri="{FF2B5EF4-FFF2-40B4-BE49-F238E27FC236}">
-                <a16:creationId xmlns:a16="http://schemas.microsoft.com/office/drawing/2014/main" id="{DA5DB093-BA8A-4A8A-B9F3-B40AC4F42CDE}"/>
+                <a16:creationId xmlns="" xmlns:a16="http://schemas.microsoft.com/office/drawing/2014/main" id="{DA5DB093-BA8A-4A8A-B9F3-B40AC4F42CDE}"/>
               </a:ext>
             </a:extLst>
           </p:cNvPr>
@@ -19637,7 +19703,7 @@
           <p:cNvPr id="9" name="テキスト ボックス 8">
             <a:extLst>
               <a:ext uri="{FF2B5EF4-FFF2-40B4-BE49-F238E27FC236}">
-                <a16:creationId xmlns:a16="http://schemas.microsoft.com/office/drawing/2014/main" id="{283DD3EB-632F-41BF-AEE7-B0E883D7D3AA}"/>
+                <a16:creationId xmlns="" xmlns:a16="http://schemas.microsoft.com/office/drawing/2014/main" id="{283DD3EB-632F-41BF-AEE7-B0E883D7D3AA}"/>
               </a:ext>
             </a:extLst>
           </p:cNvPr>
@@ -19676,7 +19742,7 @@
           <p:cNvPr id="10" name="テキスト ボックス 9">
             <a:extLst>
               <a:ext uri="{FF2B5EF4-FFF2-40B4-BE49-F238E27FC236}">
-                <a16:creationId xmlns:a16="http://schemas.microsoft.com/office/drawing/2014/main" id="{D9C009E4-FE75-4981-93B0-C21395440801}"/>
+                <a16:creationId xmlns="" xmlns:a16="http://schemas.microsoft.com/office/drawing/2014/main" id="{D9C009E4-FE75-4981-93B0-C21395440801}"/>
               </a:ext>
             </a:extLst>
           </p:cNvPr>
@@ -19715,7 +19781,7 @@
           <p:cNvPr id="12" name="矢印: 上 11">
             <a:extLst>
               <a:ext uri="{FF2B5EF4-FFF2-40B4-BE49-F238E27FC236}">
-                <a16:creationId xmlns:a16="http://schemas.microsoft.com/office/drawing/2014/main" id="{17BF3821-EEDD-4101-8AC8-F9343CD8F9EE}"/>
+                <a16:creationId xmlns="" xmlns:a16="http://schemas.microsoft.com/office/drawing/2014/main" id="{17BF3821-EEDD-4101-8AC8-F9343CD8F9EE}"/>
               </a:ext>
             </a:extLst>
           </p:cNvPr>
@@ -19767,7 +19833,7 @@
           <p:cNvPr id="13" name="テキスト ボックス 12">
             <a:extLst>
               <a:ext uri="{FF2B5EF4-FFF2-40B4-BE49-F238E27FC236}">
-                <a16:creationId xmlns:a16="http://schemas.microsoft.com/office/drawing/2014/main" id="{3CDC44E6-5EB6-4A45-A54E-C3CA16A06791}"/>
+                <a16:creationId xmlns="" xmlns:a16="http://schemas.microsoft.com/office/drawing/2014/main" id="{3CDC44E6-5EB6-4A45-A54E-C3CA16A06791}"/>
               </a:ext>
             </a:extLst>
           </p:cNvPr>
@@ -19804,7 +19870,7 @@
           <p:cNvPr id="11" name="テキスト ボックス 10">
             <a:extLst>
               <a:ext uri="{FF2B5EF4-FFF2-40B4-BE49-F238E27FC236}">
-                <a16:creationId xmlns:a16="http://schemas.microsoft.com/office/drawing/2014/main" id="{CF4A5B30-B1C3-49F7-B620-A15CE1164534}"/>
+                <a16:creationId xmlns="" xmlns:a16="http://schemas.microsoft.com/office/drawing/2014/main" id="{CF4A5B30-B1C3-49F7-B620-A15CE1164534}"/>
               </a:ext>
             </a:extLst>
           </p:cNvPr>
@@ -19850,7 +19916,7 @@
           <p:cNvPr id="8" name="テキスト ボックス 7">
             <a:extLst>
               <a:ext uri="{FF2B5EF4-FFF2-40B4-BE49-F238E27FC236}">
-                <a16:creationId xmlns:a16="http://schemas.microsoft.com/office/drawing/2014/main" id="{5B952936-4C3C-442B-B694-7B764B76DA46}"/>
+                <a16:creationId xmlns="" xmlns:a16="http://schemas.microsoft.com/office/drawing/2014/main" id="{5B952936-4C3C-442B-B694-7B764B76DA46}"/>
               </a:ext>
             </a:extLst>
           </p:cNvPr>
@@ -19922,6 +19988,13 @@
   <p:clrMapOvr>
     <a:masterClrMapping/>
   </p:clrMapOvr>
+  <p:timing>
+    <p:tnLst>
+      <p:par>
+        <p:cTn id="1" dur="indefinite" restart="never" nodeType="tmRoot"/>
+      </p:par>
+    </p:tnLst>
+  </p:timing>
 </p:sld>
 </file>
 
@@ -19947,7 +20020,7 @@
           <p:cNvPr id="2" name="タイトル 1">
             <a:extLst>
               <a:ext uri="{FF2B5EF4-FFF2-40B4-BE49-F238E27FC236}">
-                <a16:creationId xmlns:a16="http://schemas.microsoft.com/office/drawing/2014/main" id="{6928F1E9-37F2-4BBD-86BF-BD43A50AFEAA}"/>
+                <a16:creationId xmlns="" xmlns:a16="http://schemas.microsoft.com/office/drawing/2014/main" id="{6928F1E9-37F2-4BBD-86BF-BD43A50AFEAA}"/>
               </a:ext>
             </a:extLst>
           </p:cNvPr>
@@ -19981,7 +20054,7 @@
           <p:cNvPr id="3" name="コンテンツ プレースホルダー 2">
             <a:extLst>
               <a:ext uri="{FF2B5EF4-FFF2-40B4-BE49-F238E27FC236}">
-                <a16:creationId xmlns:a16="http://schemas.microsoft.com/office/drawing/2014/main" id="{F170D71A-9295-43E6-84D0-D855429DE75D}"/>
+                <a16:creationId xmlns="" xmlns:a16="http://schemas.microsoft.com/office/drawing/2014/main" id="{F170D71A-9295-43E6-84D0-D855429DE75D}"/>
               </a:ext>
             </a:extLst>
           </p:cNvPr>
@@ -19995,7 +20068,7 @@
         <p:spPr>
           <a:xfrm>
             <a:off x="613467" y="2281759"/>
-            <a:ext cx="9844385" cy="3718378"/>
+            <a:ext cx="9844385" cy="1422733"/>
           </a:xfrm>
         </p:spPr>
         <p:txBody>
@@ -20037,77 +20110,6 @@
             </a:pPr>
             <a:endParaRPr lang="en-US" altLang="ja-JP" sz="1050" dirty="0"/>
           </a:p>
-          <a:p>
-            <a:pPr marL="0" indent="0">
-              <a:buNone/>
-            </a:pPr>
-            <a:r>
-              <a:rPr lang="en-US" altLang="ja-JP" sz="2800" dirty="0">
-                <a:latin typeface="+mn-ea"/>
-              </a:rPr>
-              <a:t>“</a:t>
-            </a:r>
-            <a:r>
-              <a:rPr lang="en-US" altLang="ja-JP" sz="2800" dirty="0" err="1">
-                <a:latin typeface="+mn-ea"/>
-              </a:rPr>
-              <a:t>abc</a:t>
-            </a:r>
-            <a:r>
-              <a:rPr lang="en-US" altLang="ja-JP" sz="2800" dirty="0">
-                <a:latin typeface="+mn-ea"/>
-              </a:rPr>
-              <a:t>”,”bd”,”</a:t>
-            </a:r>
-            <a:r>
-              <a:rPr lang="en-US" altLang="ja-JP" sz="2800" dirty="0" err="1">
-                <a:latin typeface="+mn-ea"/>
-              </a:rPr>
-              <a:t>aaabd</a:t>
-            </a:r>
-            <a:r>
-              <a:rPr lang="en-US" altLang="ja-JP" sz="2800" dirty="0">
-                <a:latin typeface="+mn-ea"/>
-              </a:rPr>
-              <a:t>”</a:t>
-            </a:r>
-            <a:r>
-              <a:rPr lang="ja-JP" altLang="en-US" sz="2800" dirty="0"/>
-              <a:t>などにマッチング。</a:t>
-            </a:r>
-            <a:endParaRPr lang="en-US" altLang="ja-JP" sz="2800" dirty="0"/>
-          </a:p>
-          <a:p>
-            <a:pPr marL="0" indent="0">
-              <a:buNone/>
-            </a:pPr>
-            <a:r>
-              <a:rPr lang="en-US" altLang="ja-JP" sz="2800" dirty="0">
-                <a:latin typeface="+mn-ea"/>
-              </a:rPr>
-              <a:t>“</a:t>
-            </a:r>
-            <a:r>
-              <a:rPr lang="en-US" altLang="ja-JP" sz="2800" dirty="0" err="1">
-                <a:latin typeface="+mn-ea"/>
-              </a:rPr>
-              <a:t>abcd</a:t>
-            </a:r>
-            <a:r>
-              <a:rPr lang="en-US" altLang="ja-JP" sz="2800" dirty="0">
-                <a:latin typeface="+mn-ea"/>
-              </a:rPr>
-              <a:t>”</a:t>
-            </a:r>
-            <a:r>
-              <a:rPr lang="ja-JP" altLang="en-US" sz="2800" dirty="0"/>
-              <a:t>は</a:t>
-            </a:r>
-            <a:r>
-              <a:rPr lang="en-US" altLang="ja-JP" sz="2800" dirty="0"/>
-              <a:t>×</a:t>
-            </a:r>
-          </a:p>
         </p:txBody>
       </p:sp>
       <p:sp>
@@ -20115,7 +20117,7 @@
           <p:cNvPr id="4" name="スライド番号プレースホルダー 3">
             <a:extLst>
               <a:ext uri="{FF2B5EF4-FFF2-40B4-BE49-F238E27FC236}">
-                <a16:creationId xmlns:a16="http://schemas.microsoft.com/office/drawing/2014/main" id="{DA5DB093-BA8A-4A8A-B9F3-B40AC4F42CDE}"/>
+                <a16:creationId xmlns="" xmlns:a16="http://schemas.microsoft.com/office/drawing/2014/main" id="{DA5DB093-BA8A-4A8A-B9F3-B40AC4F42CDE}"/>
               </a:ext>
             </a:extLst>
           </p:cNvPr>
@@ -20145,7 +20147,7 @@
           <p:cNvPr id="6" name="テキスト ボックス 5">
             <a:extLst>
               <a:ext uri="{FF2B5EF4-FFF2-40B4-BE49-F238E27FC236}">
-                <a16:creationId xmlns:a16="http://schemas.microsoft.com/office/drawing/2014/main" id="{9B0945F6-2B1A-4B4E-87D0-BF1F60AD0682}"/>
+                <a16:creationId xmlns="" xmlns:a16="http://schemas.microsoft.com/office/drawing/2014/main" id="{9B0945F6-2B1A-4B4E-87D0-BF1F60AD0682}"/>
               </a:ext>
             </a:extLst>
           </p:cNvPr>
@@ -20185,7 +20187,7 @@
           <p:cNvPr id="24" name="グループ化 23">
             <a:extLst>
               <a:ext uri="{FF2B5EF4-FFF2-40B4-BE49-F238E27FC236}">
-                <a16:creationId xmlns:a16="http://schemas.microsoft.com/office/drawing/2014/main" id="{C75269F6-F4C0-4780-AD88-11259846EA66}"/>
+                <a16:creationId xmlns="" xmlns:a16="http://schemas.microsoft.com/office/drawing/2014/main" id="{C75269F6-F4C0-4780-AD88-11259846EA66}"/>
               </a:ext>
             </a:extLst>
           </p:cNvPr>
@@ -20205,7 +20207,7 @@
             <p:cNvPr id="8" name="楕円 7">
               <a:extLst>
                 <a:ext uri="{FF2B5EF4-FFF2-40B4-BE49-F238E27FC236}">
-                  <a16:creationId xmlns:a16="http://schemas.microsoft.com/office/drawing/2014/main" id="{0419CB11-F4C6-4493-A616-46684B0AAE8B}"/>
+                  <a16:creationId xmlns="" xmlns:a16="http://schemas.microsoft.com/office/drawing/2014/main" id="{0419CB11-F4C6-4493-A616-46684B0AAE8B}"/>
                 </a:ext>
               </a:extLst>
             </p:cNvPr>
@@ -20262,7 +20264,7 @@
             <p:cNvPr id="7" name="楕円 6">
               <a:extLst>
                 <a:ext uri="{FF2B5EF4-FFF2-40B4-BE49-F238E27FC236}">
-                  <a16:creationId xmlns:a16="http://schemas.microsoft.com/office/drawing/2014/main" id="{9EE45265-E7FF-4039-AD58-268272174D6A}"/>
+                  <a16:creationId xmlns="" xmlns:a16="http://schemas.microsoft.com/office/drawing/2014/main" id="{9EE45265-E7FF-4039-AD58-268272174D6A}"/>
                 </a:ext>
               </a:extLst>
             </p:cNvPr>
@@ -20330,7 +20332,7 @@
             <p:cNvPr id="12" name="直線矢印コネクタ 11">
               <a:extLst>
                 <a:ext uri="{FF2B5EF4-FFF2-40B4-BE49-F238E27FC236}">
-                  <a16:creationId xmlns:a16="http://schemas.microsoft.com/office/drawing/2014/main" id="{85ACD39B-7916-40DB-99CA-510320FC8453}"/>
+                  <a16:creationId xmlns="" xmlns:a16="http://schemas.microsoft.com/office/drawing/2014/main" id="{85ACD39B-7916-40DB-99CA-510320FC8453}"/>
                 </a:ext>
               </a:extLst>
             </p:cNvPr>
@@ -20372,7 +20374,7 @@
             <p:cNvPr id="13" name="テキスト ボックス 12">
               <a:extLst>
                 <a:ext uri="{FF2B5EF4-FFF2-40B4-BE49-F238E27FC236}">
-                  <a16:creationId xmlns:a16="http://schemas.microsoft.com/office/drawing/2014/main" id="{C9B4443A-5848-43DA-BF24-6535A2EBD964}"/>
+                  <a16:creationId xmlns="" xmlns:a16="http://schemas.microsoft.com/office/drawing/2014/main" id="{C9B4443A-5848-43DA-BF24-6535A2EBD964}"/>
                 </a:ext>
               </a:extLst>
             </p:cNvPr>
@@ -20412,7 +20414,7 @@
             <p:cNvPr id="15" name="直線矢印コネクタ 14">
               <a:extLst>
                 <a:ext uri="{FF2B5EF4-FFF2-40B4-BE49-F238E27FC236}">
-                  <a16:creationId xmlns:a16="http://schemas.microsoft.com/office/drawing/2014/main" id="{04CEAF6F-5D3F-487E-B1C4-0763C93B8855}"/>
+                  <a16:creationId xmlns="" xmlns:a16="http://schemas.microsoft.com/office/drawing/2014/main" id="{04CEAF6F-5D3F-487E-B1C4-0763C93B8855}"/>
                 </a:ext>
               </a:extLst>
             </p:cNvPr>
@@ -20454,7 +20456,7 @@
             <p:cNvPr id="16" name="楕円 15">
               <a:extLst>
                 <a:ext uri="{FF2B5EF4-FFF2-40B4-BE49-F238E27FC236}">
-                  <a16:creationId xmlns:a16="http://schemas.microsoft.com/office/drawing/2014/main" id="{D8B34827-C930-46EB-9426-F7C1DD639F85}"/>
+                  <a16:creationId xmlns="" xmlns:a16="http://schemas.microsoft.com/office/drawing/2014/main" id="{D8B34827-C930-46EB-9426-F7C1DD639F85}"/>
                 </a:ext>
               </a:extLst>
             </p:cNvPr>
@@ -20513,7 +20515,7 @@
             <p:cNvPr id="17" name="直線矢印コネクタ 16">
               <a:extLst>
                 <a:ext uri="{FF2B5EF4-FFF2-40B4-BE49-F238E27FC236}">
-                  <a16:creationId xmlns:a16="http://schemas.microsoft.com/office/drawing/2014/main" id="{556D1E44-A3A6-4B11-AE96-01339585D15B}"/>
+                  <a16:creationId xmlns="" xmlns:a16="http://schemas.microsoft.com/office/drawing/2014/main" id="{556D1E44-A3A6-4B11-AE96-01339585D15B}"/>
                 </a:ext>
               </a:extLst>
             </p:cNvPr>
@@ -20557,7 +20559,7 @@
             <p:cNvPr id="18" name="楕円 17">
               <a:extLst>
                 <a:ext uri="{FF2B5EF4-FFF2-40B4-BE49-F238E27FC236}">
-                  <a16:creationId xmlns:a16="http://schemas.microsoft.com/office/drawing/2014/main" id="{DDF10926-1E14-47EA-B137-B05011D1FA55}"/>
+                  <a16:creationId xmlns="" xmlns:a16="http://schemas.microsoft.com/office/drawing/2014/main" id="{DDF10926-1E14-47EA-B137-B05011D1FA55}"/>
                 </a:ext>
               </a:extLst>
             </p:cNvPr>
@@ -20616,7 +20618,7 @@
             <p:cNvPr id="19" name="楕円 18">
               <a:extLst>
                 <a:ext uri="{FF2B5EF4-FFF2-40B4-BE49-F238E27FC236}">
-                  <a16:creationId xmlns:a16="http://schemas.microsoft.com/office/drawing/2014/main" id="{4BC6C328-E425-41EB-AD0A-22F1BBA50722}"/>
+                  <a16:creationId xmlns="" xmlns:a16="http://schemas.microsoft.com/office/drawing/2014/main" id="{4BC6C328-E425-41EB-AD0A-22F1BBA50722}"/>
                 </a:ext>
               </a:extLst>
             </p:cNvPr>
@@ -20668,7 +20670,7 @@
             <p:cNvPr id="20" name="テキスト ボックス 19">
               <a:extLst>
                 <a:ext uri="{FF2B5EF4-FFF2-40B4-BE49-F238E27FC236}">
-                  <a16:creationId xmlns:a16="http://schemas.microsoft.com/office/drawing/2014/main" id="{05BC4B06-913E-4954-BBC9-F4083BB890C7}"/>
+                  <a16:creationId xmlns="" xmlns:a16="http://schemas.microsoft.com/office/drawing/2014/main" id="{05BC4B06-913E-4954-BBC9-F4083BB890C7}"/>
                 </a:ext>
               </a:extLst>
             </p:cNvPr>
@@ -20708,7 +20710,7 @@
             <p:cNvPr id="21" name="テキスト ボックス 20">
               <a:extLst>
                 <a:ext uri="{FF2B5EF4-FFF2-40B4-BE49-F238E27FC236}">
-                  <a16:creationId xmlns:a16="http://schemas.microsoft.com/office/drawing/2014/main" id="{5615D1CF-B1D4-460A-B5FE-E64E00394180}"/>
+                  <a16:creationId xmlns="" xmlns:a16="http://schemas.microsoft.com/office/drawing/2014/main" id="{5615D1CF-B1D4-460A-B5FE-E64E00394180}"/>
                 </a:ext>
               </a:extLst>
             </p:cNvPr>
@@ -20749,7 +20751,7 @@
           <p:cNvPr id="27" name="テキスト ボックス 26">
             <a:extLst>
               <a:ext uri="{FF2B5EF4-FFF2-40B4-BE49-F238E27FC236}">
-                <a16:creationId xmlns:a16="http://schemas.microsoft.com/office/drawing/2014/main" id="{94D81A9C-5FF4-491A-BDF3-2C4860E70751}"/>
+                <a16:creationId xmlns="" xmlns:a16="http://schemas.microsoft.com/office/drawing/2014/main" id="{94D81A9C-5FF4-491A-BDF3-2C4860E70751}"/>
               </a:ext>
             </a:extLst>
           </p:cNvPr>
@@ -20822,7 +20824,7 @@
           <p:cNvPr id="5" name="グループ化 4">
             <a:extLst>
               <a:ext uri="{FF2B5EF4-FFF2-40B4-BE49-F238E27FC236}">
-                <a16:creationId xmlns:a16="http://schemas.microsoft.com/office/drawing/2014/main" id="{3AEE340E-CF3B-4F84-83EA-5C581582687B}"/>
+                <a16:creationId xmlns="" xmlns:a16="http://schemas.microsoft.com/office/drawing/2014/main" id="{3AEE340E-CF3B-4F84-83EA-5C581582687B}"/>
               </a:ext>
             </a:extLst>
           </p:cNvPr>
@@ -20842,7 +20844,7 @@
             <p:cNvPr id="28" name="テキスト ボックス 27">
               <a:extLst>
                 <a:ext uri="{FF2B5EF4-FFF2-40B4-BE49-F238E27FC236}">
-                  <a16:creationId xmlns:a16="http://schemas.microsoft.com/office/drawing/2014/main" id="{AF40521A-DABF-4AC8-946F-F9E8857CD079}"/>
+                  <a16:creationId xmlns="" xmlns:a16="http://schemas.microsoft.com/office/drawing/2014/main" id="{AF40521A-DABF-4AC8-946F-F9E8857CD079}"/>
                 </a:ext>
               </a:extLst>
             </p:cNvPr>
@@ -20954,7 +20956,7 @@
             <p:cNvPr id="29" name="矢印: 下 28">
               <a:extLst>
                 <a:ext uri="{FF2B5EF4-FFF2-40B4-BE49-F238E27FC236}">
-                  <a16:creationId xmlns:a16="http://schemas.microsoft.com/office/drawing/2014/main" id="{F38E49F9-B8A0-4AAA-9333-F80719027546}"/>
+                  <a16:creationId xmlns="" xmlns:a16="http://schemas.microsoft.com/office/drawing/2014/main" id="{F38E49F9-B8A0-4AAA-9333-F80719027546}"/>
                 </a:ext>
               </a:extLst>
             </p:cNvPr>
@@ -21006,7 +21008,7 @@
             <p:cNvPr id="30" name="テキスト ボックス 29">
               <a:extLst>
                 <a:ext uri="{FF2B5EF4-FFF2-40B4-BE49-F238E27FC236}">
-                  <a16:creationId xmlns:a16="http://schemas.microsoft.com/office/drawing/2014/main" id="{29E77473-AE6F-40DB-80F8-0AF2BA54BF97}"/>
+                  <a16:creationId xmlns="" xmlns:a16="http://schemas.microsoft.com/office/drawing/2014/main" id="{29E77473-AE6F-40DB-80F8-0AF2BA54BF97}"/>
                 </a:ext>
               </a:extLst>
             </p:cNvPr>
@@ -21060,7 +21062,7 @@
           <p:cNvPr id="23" name="テキスト ボックス 22">
             <a:extLst>
               <a:ext uri="{FF2B5EF4-FFF2-40B4-BE49-F238E27FC236}">
-                <a16:creationId xmlns:a16="http://schemas.microsoft.com/office/drawing/2014/main" id="{CEE18CD2-6653-44BA-B207-303E1D279E97}"/>
+                <a16:creationId xmlns="" xmlns:a16="http://schemas.microsoft.com/office/drawing/2014/main" id="{CEE18CD2-6653-44BA-B207-303E1D279E97}"/>
               </a:ext>
             </a:extLst>
           </p:cNvPr>
@@ -21098,6 +21100,107 @@
               </a:solidFill>
               <a:latin typeface="+mn-ea"/>
             </a:endParaRPr>
+          </a:p>
+        </p:txBody>
+      </p:sp>
+      <p:sp>
+        <p:nvSpPr>
+          <p:cNvPr id="9" name="テキスト ボックス 8"/>
+          <p:cNvSpPr txBox="1"/>
+          <p:nvPr/>
+        </p:nvSpPr>
+        <p:spPr>
+          <a:xfrm>
+            <a:off x="613466" y="3546092"/>
+            <a:ext cx="6643408" cy="954107"/>
+          </a:xfrm>
+          <a:prstGeom prst="rect">
+            <a:avLst/>
+          </a:prstGeom>
+          <a:noFill/>
+        </p:spPr>
+        <p:txBody>
+          <a:bodyPr wrap="square" rtlCol="0">
+            <a:spAutoFit/>
+          </a:bodyPr>
+          <a:lstStyle/>
+          <a:p>
+            <a:r>
+              <a:rPr lang="en-US" altLang="ja-JP" sz="2800" dirty="0">
+                <a:latin typeface="+mn-ea"/>
+              </a:rPr>
+              <a:t>“</a:t>
+            </a:r>
+            <a:r>
+              <a:rPr lang="en-US" altLang="ja-JP" sz="2800" dirty="0" err="1">
+                <a:latin typeface="+mn-ea"/>
+              </a:rPr>
+              <a:t>abc</a:t>
+            </a:r>
+            <a:r>
+              <a:rPr lang="en-US" altLang="ja-JP" sz="2800" dirty="0">
+                <a:latin typeface="+mn-ea"/>
+              </a:rPr>
+              <a:t>”,”</a:t>
+            </a:r>
+            <a:r>
+              <a:rPr lang="en-US" altLang="ja-JP" sz="2800" dirty="0" err="1">
+                <a:latin typeface="+mn-ea"/>
+              </a:rPr>
+              <a:t>bd</a:t>
+            </a:r>
+            <a:r>
+              <a:rPr lang="en-US" altLang="ja-JP" sz="2800" dirty="0">
+                <a:latin typeface="+mn-ea"/>
+              </a:rPr>
+              <a:t>”,”</a:t>
+            </a:r>
+            <a:r>
+              <a:rPr lang="en-US" altLang="ja-JP" sz="2800" dirty="0" err="1">
+                <a:latin typeface="+mn-ea"/>
+              </a:rPr>
+              <a:t>aaabd</a:t>
+            </a:r>
+            <a:r>
+              <a:rPr lang="en-US" altLang="ja-JP" sz="2800" dirty="0">
+                <a:latin typeface="+mn-ea"/>
+              </a:rPr>
+              <a:t>”</a:t>
+            </a:r>
+            <a:r>
+              <a:rPr lang="ja-JP" altLang="en-US" sz="2800" dirty="0"/>
+              <a:t>などにマッチング。</a:t>
+            </a:r>
+            <a:endParaRPr lang="en-US" altLang="ja-JP" sz="2800" dirty="0"/>
+          </a:p>
+          <a:p>
+            <a:r>
+              <a:rPr lang="en-US" altLang="ja-JP" sz="2800" dirty="0">
+                <a:latin typeface="+mn-ea"/>
+              </a:rPr>
+              <a:t>“</a:t>
+            </a:r>
+            <a:r>
+              <a:rPr lang="en-US" altLang="ja-JP" sz="2800" dirty="0" err="1">
+                <a:latin typeface="+mn-ea"/>
+              </a:rPr>
+              <a:t>abcd</a:t>
+            </a:r>
+            <a:r>
+              <a:rPr lang="en-US" altLang="ja-JP" sz="2800" dirty="0">
+                <a:latin typeface="+mn-ea"/>
+              </a:rPr>
+              <a:t>”</a:t>
+            </a:r>
+            <a:r>
+              <a:rPr lang="ja-JP" altLang="en-US" sz="2800" dirty="0"/>
+              <a:t>は</a:t>
+            </a:r>
+            <a:r>
+              <a:rPr lang="en-US" altLang="ja-JP" sz="2800" dirty="0" smtClean="0"/>
+              <a:t>×</a:t>
+            </a:r>
+            <a:endParaRPr kumimoji="1" lang="en-US" altLang="ja-JP" sz="2800" dirty="0" smtClean="0"/>
           </a:p>
         </p:txBody>
       </p:sp>
@@ -21364,7 +21467,7 @@
           <p:cNvPr id="2" name="タイトル 1">
             <a:extLst>
               <a:ext uri="{FF2B5EF4-FFF2-40B4-BE49-F238E27FC236}">
-                <a16:creationId xmlns:a16="http://schemas.microsoft.com/office/drawing/2014/main" id="{6928F1E9-37F2-4BBD-86BF-BD43A50AFEAA}"/>
+                <a16:creationId xmlns="" xmlns:a16="http://schemas.microsoft.com/office/drawing/2014/main" id="{6928F1E9-37F2-4BBD-86BF-BD43A50AFEAA}"/>
               </a:ext>
             </a:extLst>
           </p:cNvPr>
@@ -21397,7 +21500,7 @@
           <p:cNvPr id="3" name="コンテンツ プレースホルダー 2">
             <a:extLst>
               <a:ext uri="{FF2B5EF4-FFF2-40B4-BE49-F238E27FC236}">
-                <a16:creationId xmlns:a16="http://schemas.microsoft.com/office/drawing/2014/main" id="{F170D71A-9295-43E6-84D0-D855429DE75D}"/>
+                <a16:creationId xmlns="" xmlns:a16="http://schemas.microsoft.com/office/drawing/2014/main" id="{F170D71A-9295-43E6-84D0-D855429DE75D}"/>
               </a:ext>
             </a:extLst>
           </p:cNvPr>
@@ -21454,7 +21557,7 @@
           <p:cNvPr id="4" name="スライド番号プレースホルダー 3">
             <a:extLst>
               <a:ext uri="{FF2B5EF4-FFF2-40B4-BE49-F238E27FC236}">
-                <a16:creationId xmlns:a16="http://schemas.microsoft.com/office/drawing/2014/main" id="{DA5DB093-BA8A-4A8A-B9F3-B40AC4F42CDE}"/>
+                <a16:creationId xmlns="" xmlns:a16="http://schemas.microsoft.com/office/drawing/2014/main" id="{DA5DB093-BA8A-4A8A-B9F3-B40AC4F42CDE}"/>
               </a:ext>
             </a:extLst>
           </p:cNvPr>
@@ -21484,7 +21587,7 @@
           <p:cNvPr id="5" name="テキスト ボックス 4">
             <a:extLst>
               <a:ext uri="{FF2B5EF4-FFF2-40B4-BE49-F238E27FC236}">
-                <a16:creationId xmlns:a16="http://schemas.microsoft.com/office/drawing/2014/main" id="{7557DD4B-EFCF-4126-8A68-BBA3AE02391C}"/>
+                <a16:creationId xmlns="" xmlns:a16="http://schemas.microsoft.com/office/drawing/2014/main" id="{7557DD4B-EFCF-4126-8A68-BBA3AE02391C}"/>
               </a:ext>
             </a:extLst>
           </p:cNvPr>
@@ -21560,7 +21663,7 @@
           <p:cNvPr id="2" name="タイトル 1">
             <a:extLst>
               <a:ext uri="{FF2B5EF4-FFF2-40B4-BE49-F238E27FC236}">
-                <a16:creationId xmlns:a16="http://schemas.microsoft.com/office/drawing/2014/main" id="{6928F1E9-37F2-4BBD-86BF-BD43A50AFEAA}"/>
+                <a16:creationId xmlns="" xmlns:a16="http://schemas.microsoft.com/office/drawing/2014/main" id="{6928F1E9-37F2-4BBD-86BF-BD43A50AFEAA}"/>
               </a:ext>
             </a:extLst>
           </p:cNvPr>
@@ -21601,7 +21704,7 @@
           <p:cNvPr id="4" name="スライド番号プレースホルダー 3">
             <a:extLst>
               <a:ext uri="{FF2B5EF4-FFF2-40B4-BE49-F238E27FC236}">
-                <a16:creationId xmlns:a16="http://schemas.microsoft.com/office/drawing/2014/main" id="{DA5DB093-BA8A-4A8A-B9F3-B40AC4F42CDE}"/>
+                <a16:creationId xmlns="" xmlns:a16="http://schemas.microsoft.com/office/drawing/2014/main" id="{DA5DB093-BA8A-4A8A-B9F3-B40AC4F42CDE}"/>
               </a:ext>
             </a:extLst>
           </p:cNvPr>
@@ -21631,7 +21734,7 @@
           <p:cNvPr id="7" name="コンテンツ プレースホルダー 2">
             <a:extLst>
               <a:ext uri="{FF2B5EF4-FFF2-40B4-BE49-F238E27FC236}">
-                <a16:creationId xmlns:a16="http://schemas.microsoft.com/office/drawing/2014/main" id="{DA1BD515-A981-4664-B98E-1686BE63257B}"/>
+                <a16:creationId xmlns="" xmlns:a16="http://schemas.microsoft.com/office/drawing/2014/main" id="{DA1BD515-A981-4664-B98E-1686BE63257B}"/>
               </a:ext>
             </a:extLst>
           </p:cNvPr>
@@ -21747,7 +21850,7 @@
           <p:cNvPr id="9" name="テキスト ボックス 8">
             <a:extLst>
               <a:ext uri="{FF2B5EF4-FFF2-40B4-BE49-F238E27FC236}">
-                <a16:creationId xmlns:a16="http://schemas.microsoft.com/office/drawing/2014/main" id="{E093CEC0-647E-41EB-BC6B-94046E8223AC}"/>
+                <a16:creationId xmlns="" xmlns:a16="http://schemas.microsoft.com/office/drawing/2014/main" id="{E093CEC0-647E-41EB-BC6B-94046E8223AC}"/>
               </a:ext>
             </a:extLst>
           </p:cNvPr>
@@ -21786,7 +21889,7 @@
           <p:cNvPr id="11" name="図 10">
             <a:extLst>
               <a:ext uri="{FF2B5EF4-FFF2-40B4-BE49-F238E27FC236}">
-                <a16:creationId xmlns:a16="http://schemas.microsoft.com/office/drawing/2014/main" id="{D244A996-D3EB-4962-96ED-1C82FC3DDF7A}"/>
+                <a16:creationId xmlns="" xmlns:a16="http://schemas.microsoft.com/office/drawing/2014/main" id="{D244A996-D3EB-4962-96ED-1C82FC3DDF7A}"/>
               </a:ext>
             </a:extLst>
           </p:cNvPr>
@@ -21816,7 +21919,7 @@
           <p:cNvPr id="12" name="テキスト ボックス 11">
             <a:extLst>
               <a:ext uri="{FF2B5EF4-FFF2-40B4-BE49-F238E27FC236}">
-                <a16:creationId xmlns:a16="http://schemas.microsoft.com/office/drawing/2014/main" id="{15BDF48C-668D-4713-9927-2FF889EE0BBF}"/>
+                <a16:creationId xmlns="" xmlns:a16="http://schemas.microsoft.com/office/drawing/2014/main" id="{15BDF48C-668D-4713-9927-2FF889EE0BBF}"/>
               </a:ext>
             </a:extLst>
           </p:cNvPr>
@@ -21855,7 +21958,7 @@
           <p:cNvPr id="8" name="テキスト ボックス 7">
             <a:extLst>
               <a:ext uri="{FF2B5EF4-FFF2-40B4-BE49-F238E27FC236}">
-                <a16:creationId xmlns:a16="http://schemas.microsoft.com/office/drawing/2014/main" id="{960B2F57-6D19-46F5-AC9D-32708FA2E0C4}"/>
+                <a16:creationId xmlns="" xmlns:a16="http://schemas.microsoft.com/office/drawing/2014/main" id="{960B2F57-6D19-46F5-AC9D-32708FA2E0C4}"/>
               </a:ext>
             </a:extLst>
           </p:cNvPr>
